--- a/20140902-intro_to_functional_programming.pptx
+++ b/20140902-intro_to_functional_programming.pptx
@@ -208,7 +208,7 @@
           <a:p>
             <a:fld id="{740616EA-7DD0-4941-A75A-3667382BAFA7}" type="datetimeFigureOut">
               <a:rPr lang="en-AU" smtClean="0"/>
-              <a:t>2/09/2014</a:t>
+              <a:t>6/06/2016</a:t>
             </a:fld>
             <a:endParaRPr lang="en-AU"/>
           </a:p>
@@ -374,7 +374,7 @@
           <a:p>
             <a:fld id="{587278A0-4A02-4D4B-A8AB-1E1752F8063F}" type="datetimeFigureOut">
               <a:rPr lang="en-AU" smtClean="0"/>
-              <a:t>2/09/2014</a:t>
+              <a:t>6/06/2016</a:t>
             </a:fld>
             <a:endParaRPr lang="en-AU"/>
           </a:p>
@@ -1454,7 +1454,7 @@
           <a:p>
             <a:fld id="{0EAB0777-4C60-462E-A92C-CDAFD498799C}" type="datetimeFigureOut">
               <a:rPr lang="en-US" smtClean="0"/>
-              <a:t>9/2/2014</a:t>
+              <a:t>6/6/2016</a:t>
             </a:fld>
             <a:endParaRPr lang="en-US"/>
           </a:p>
@@ -1623,7 +1623,7 @@
           <a:p>
             <a:fld id="{0EAB0777-4C60-462E-A92C-CDAFD498799C}" type="datetimeFigureOut">
               <a:rPr lang="en-US" smtClean="0"/>
-              <a:t>9/2/2014</a:t>
+              <a:t>6/6/2016</a:t>
             </a:fld>
             <a:endParaRPr lang="en-US"/>
           </a:p>
@@ -1869,7 +1869,7 @@
           <a:p>
             <a:fld id="{0EAB0777-4C60-462E-A92C-CDAFD498799C}" type="datetimeFigureOut">
               <a:rPr lang="en-US" smtClean="0"/>
-              <a:t>9/2/2014</a:t>
+              <a:t>6/6/2016</a:t>
             </a:fld>
             <a:endParaRPr lang="en-US"/>
           </a:p>
@@ -2137,7 +2137,7 @@
           <a:p>
             <a:fld id="{0EAB0777-4C60-462E-A92C-CDAFD498799C}" type="datetimeFigureOut">
               <a:rPr lang="en-US" smtClean="0"/>
-              <a:t>9/2/2014</a:t>
+              <a:t>6/6/2016</a:t>
             </a:fld>
             <a:endParaRPr lang="en-US"/>
           </a:p>
@@ -2519,7 +2519,7 @@
           <a:p>
             <a:fld id="{0EAB0777-4C60-462E-A92C-CDAFD498799C}" type="datetimeFigureOut">
               <a:rPr lang="en-US" smtClean="0"/>
-              <a:t>9/2/2014</a:t>
+              <a:t>6/6/2016</a:t>
             </a:fld>
             <a:endParaRPr lang="en-US"/>
           </a:p>
@@ -2673,7 +2673,7 @@
           <a:p>
             <a:fld id="{0EAB0777-4C60-462E-A92C-CDAFD498799C}" type="datetimeFigureOut">
               <a:rPr lang="en-US" smtClean="0"/>
-              <a:t>9/2/2014</a:t>
+              <a:t>6/6/2016</a:t>
             </a:fld>
             <a:endParaRPr lang="en-US"/>
           </a:p>
@@ -2767,7 +2767,7 @@
           <a:p>
             <a:fld id="{0EAB0777-4C60-462E-A92C-CDAFD498799C}" type="datetimeFigureOut">
               <a:rPr lang="en-US" smtClean="0"/>
-              <a:t>9/2/2014</a:t>
+              <a:t>6/6/2016</a:t>
             </a:fld>
             <a:endParaRPr lang="en-US"/>
           </a:p>
@@ -3032,7 +3032,7 @@
           <a:p>
             <a:fld id="{0EAB0777-4C60-462E-A92C-CDAFD498799C}" type="datetimeFigureOut">
               <a:rPr lang="en-US" smtClean="0"/>
-              <a:t>9/2/2014</a:t>
+              <a:t>6/6/2016</a:t>
             </a:fld>
             <a:endParaRPr lang="en-US"/>
           </a:p>
@@ -3515,7 +3515,7 @@
           <a:p>
             <a:fld id="{0EAB0777-4C60-462E-A92C-CDAFD498799C}" type="datetimeFigureOut">
               <a:rPr lang="en-US" smtClean="0"/>
-              <a:t>9/2/2014</a:t>
+              <a:t>6/6/2016</a:t>
             </a:fld>
             <a:endParaRPr lang="en-US"/>
           </a:p>
@@ -3991,7 +3991,7 @@
           <a:p>
             <a:fld id="{0EAB0777-4C60-462E-A92C-CDAFD498799C}" type="datetimeFigureOut">
               <a:rPr lang="en-US" smtClean="0"/>
-              <a:t>9/2/2014</a:t>
+              <a:t>6/6/2016</a:t>
             </a:fld>
             <a:endParaRPr lang="en-US"/>
           </a:p>
@@ -4170,7 +4170,7 @@
           <a:p>
             <a:fld id="{0EAB0777-4C60-462E-A92C-CDAFD498799C}" type="datetimeFigureOut">
               <a:rPr lang="en-US" smtClean="0"/>
-              <a:t>9/2/2014</a:t>
+              <a:t>6/6/2016</a:t>
             </a:fld>
             <a:endParaRPr lang="en-US"/>
           </a:p>
@@ -6813,7 +6813,7 @@
           <a:p>
             <a:fld id="{0EAB0777-4C60-462E-A92C-CDAFD498799C}" type="datetimeFigureOut">
               <a:rPr lang="en-US" smtClean="0"/>
-              <a:t>9/2/2014</a:t>
+              <a:t>6/6/2016</a:t>
             </a:fld>
             <a:endParaRPr lang="en-US"/>
           </a:p>
@@ -7489,11 +7489,7 @@
           <a:p>
             <a:r>
               <a:rPr lang="en-US" dirty="0" smtClean="0"/>
-              <a:t>02</a:t>
-            </a:r>
-            <a:r>
-              <a:rPr lang="en-US" dirty="0" smtClean="0"/>
-              <a:t>-Sep-2014</a:t>
+              <a:t>02-Sep-2014</a:t>
             </a:r>
             <a:endParaRPr lang="en-AU" dirty="0"/>
           </a:p>
@@ -9208,7 +9204,6 @@
               <a:rPr lang="en-US" dirty="0" smtClean="0"/>
               <a:t>Some code examples</a:t>
             </a:r>
-            <a:endParaRPr lang="en-US" dirty="0" smtClean="0"/>
           </a:p>
         </p:txBody>
       </p:sp>
@@ -9649,12 +9644,12 @@
               <a:t>can </a:t>
             </a:r>
             <a:r>
-              <a:rPr lang="en-AU" dirty="0" err="1" smtClean="0"/>
-              <a:t>conmpose</a:t>
-            </a:r>
-            <a:r>
               <a:rPr lang="en-AU" dirty="0" smtClean="0"/>
-              <a:t> functions </a:t>
+              <a:t>compose </a:t>
+            </a:r>
+            <a:r>
+              <a:rPr lang="en-AU" dirty="0" smtClean="0"/>
+              <a:t>functions </a:t>
             </a:r>
             <a:r>
               <a:rPr lang="en-AU" dirty="0"/>
@@ -9857,7 +9852,19 @@
             </a:r>
             <a:r>
               <a:rPr lang="en-US" dirty="0"/>
-              <a:t>3.45, 22+x, 17/0, 0, -12345*3 </a:t>
+              <a:t>3.45, 22+x, </a:t>
+            </a:r>
+            <a:r>
+              <a:rPr lang="en-US" dirty="0">
+                <a:solidFill>
+                  <a:srgbClr val="FF0000"/>
+                </a:solidFill>
+              </a:rPr>
+              <a:t>17/0</a:t>
+            </a:r>
+            <a:r>
+              <a:rPr lang="en-US" dirty="0"/>
+              <a:t>, 0, -12345*3 </a:t>
             </a:r>
             <a:r>
               <a:rPr lang="en-US" dirty="0" smtClean="0"/>
@@ -10206,12 +10213,8 @@
               <a:t>systems based on logical/mathematical rules are </a:t>
             </a:r>
             <a:r>
-              <a:rPr lang="en-AU" dirty="0" err="1" smtClean="0"/>
-              <a:t>equaivalent</a:t>
-            </a:r>
-            <a:r>
               <a:rPr lang="en-AU" dirty="0" smtClean="0"/>
-              <a:t> </a:t>
+              <a:t>equivalent </a:t>
             </a:r>
             <a:r>
               <a:rPr lang="it-IT" dirty="0" smtClean="0"/>
@@ -10590,8 +10593,12 @@
           <a:p>
             <a:pPr lvl="1"/>
             <a:r>
+              <a:rPr lang="fr-FR" dirty="0" err="1"/>
+              <a:t>l</a:t>
+            </a:r>
+            <a:r>
               <a:rPr lang="fr-FR" dirty="0" err="1" smtClean="0"/>
-              <a:t>lazy</a:t>
+              <a:t>azy</a:t>
             </a:r>
             <a:r>
               <a:rPr lang="fr-FR" dirty="0" smtClean="0"/>
@@ -10614,8 +10621,8 @@
               <a:t>values </a:t>
             </a:r>
             <a:r>
-              <a:rPr lang="fr-FR" dirty="0" err="1" smtClean="0"/>
-              <a:t>etc</a:t>
+              <a:rPr lang="fr-FR" dirty="0" smtClean="0"/>
+              <a:t>etc.</a:t>
             </a:r>
             <a:endParaRPr lang="fr-FR" dirty="0"/>
           </a:p>
